--- a/Data Science/C1-GettingStarted withAML.pptx
+++ b/Data Science/C1-GettingStarted withAML.pptx
@@ -204,7 +204,7 @@
           <a:p>
             <a:fld id="{DA5CDFAC-300A-1E4C-B104-35D300F89541}" type="datetimeFigureOut">
               <a:rPr lang="en-US" smtClean="0"/>
-              <a:t>7/16/22</a:t>
+              <a:t>10/11/22</a:t>
             </a:fld>
             <a:endParaRPr lang="en-US"/>
           </a:p>
@@ -621,7 +621,7 @@
           <a:p>
             <a:fld id="{6CA2EE13-336A-5F4C-98C4-41959852A0B8}" type="datetimeFigureOut">
               <a:rPr lang="en-US" smtClean="0"/>
-              <a:t>7/16/22</a:t>
+              <a:t>10/11/22</a:t>
             </a:fld>
             <a:endParaRPr lang="en-US"/>
           </a:p>
@@ -821,7 +821,7 @@
           <a:p>
             <a:fld id="{6CA2EE13-336A-5F4C-98C4-41959852A0B8}" type="datetimeFigureOut">
               <a:rPr lang="en-US" smtClean="0"/>
-              <a:t>7/16/22</a:t>
+              <a:t>10/11/22</a:t>
             </a:fld>
             <a:endParaRPr lang="en-US"/>
           </a:p>
@@ -1031,7 +1031,7 @@
           <a:p>
             <a:fld id="{6CA2EE13-336A-5F4C-98C4-41959852A0B8}" type="datetimeFigureOut">
               <a:rPr lang="en-US" smtClean="0"/>
-              <a:t>7/16/22</a:t>
+              <a:t>10/11/22</a:t>
             </a:fld>
             <a:endParaRPr lang="en-US"/>
           </a:p>
@@ -1231,7 +1231,7 @@
           <a:p>
             <a:fld id="{6CA2EE13-336A-5F4C-98C4-41959852A0B8}" type="datetimeFigureOut">
               <a:rPr lang="en-US" smtClean="0"/>
-              <a:t>7/16/22</a:t>
+              <a:t>10/11/22</a:t>
             </a:fld>
             <a:endParaRPr lang="en-US"/>
           </a:p>
@@ -1507,7 +1507,7 @@
           <a:p>
             <a:fld id="{6CA2EE13-336A-5F4C-98C4-41959852A0B8}" type="datetimeFigureOut">
               <a:rPr lang="en-US" smtClean="0"/>
-              <a:t>7/16/22</a:t>
+              <a:t>10/11/22</a:t>
             </a:fld>
             <a:endParaRPr lang="en-US"/>
           </a:p>
@@ -1775,7 +1775,7 @@
           <a:p>
             <a:fld id="{6CA2EE13-336A-5F4C-98C4-41959852A0B8}" type="datetimeFigureOut">
               <a:rPr lang="en-US" smtClean="0"/>
-              <a:t>7/16/22</a:t>
+              <a:t>10/11/22</a:t>
             </a:fld>
             <a:endParaRPr lang="en-US"/>
           </a:p>
@@ -2190,7 +2190,7 @@
           <a:p>
             <a:fld id="{6CA2EE13-336A-5F4C-98C4-41959852A0B8}" type="datetimeFigureOut">
               <a:rPr lang="en-US" smtClean="0"/>
-              <a:t>7/16/22</a:t>
+              <a:t>10/11/22</a:t>
             </a:fld>
             <a:endParaRPr lang="en-US"/>
           </a:p>
@@ -2332,7 +2332,7 @@
           <a:p>
             <a:fld id="{6CA2EE13-336A-5F4C-98C4-41959852A0B8}" type="datetimeFigureOut">
               <a:rPr lang="en-US" smtClean="0"/>
-              <a:t>7/16/22</a:t>
+              <a:t>10/11/22</a:t>
             </a:fld>
             <a:endParaRPr lang="en-US"/>
           </a:p>
@@ -2445,7 +2445,7 @@
           <a:p>
             <a:fld id="{6CA2EE13-336A-5F4C-98C4-41959852A0B8}" type="datetimeFigureOut">
               <a:rPr lang="en-US" smtClean="0"/>
-              <a:t>7/16/22</a:t>
+              <a:t>10/11/22</a:t>
             </a:fld>
             <a:endParaRPr lang="en-US"/>
           </a:p>
@@ -2758,7 +2758,7 @@
           <a:p>
             <a:fld id="{6CA2EE13-336A-5F4C-98C4-41959852A0B8}" type="datetimeFigureOut">
               <a:rPr lang="en-US" smtClean="0"/>
-              <a:t>7/16/22</a:t>
+              <a:t>10/11/22</a:t>
             </a:fld>
             <a:endParaRPr lang="en-US"/>
           </a:p>
@@ -3047,7 +3047,7 @@
           <a:p>
             <a:fld id="{6CA2EE13-336A-5F4C-98C4-41959852A0B8}" type="datetimeFigureOut">
               <a:rPr lang="en-US" smtClean="0"/>
-              <a:t>7/16/22</a:t>
+              <a:t>10/11/22</a:t>
             </a:fld>
             <a:endParaRPr lang="en-US"/>
           </a:p>
@@ -3290,7 +3290,7 @@
           <a:p>
             <a:fld id="{6CA2EE13-336A-5F4C-98C4-41959852A0B8}" type="datetimeFigureOut">
               <a:rPr lang="en-US" smtClean="0"/>
-              <a:t>7/16/22</a:t>
+              <a:t>10/11/22</a:t>
             </a:fld>
             <a:endParaRPr lang="en-US"/>
           </a:p>
@@ -4297,7 +4297,7 @@
         <p:spPr>
           <a:xfrm>
             <a:off x="952500" y="4308823"/>
-            <a:ext cx="10154813" cy="952292"/>
+            <a:ext cx="10154813" cy="1013847"/>
           </a:xfrm>
           <a:prstGeom prst="rect">
             <a:avLst/>
@@ -4310,25 +4310,11 @@
           <a:lstStyle/>
           <a:p>
             <a:r>
-              <a:rPr lang="en-SG" dirty="0">
-                <a:latin typeface="Segoe UI" panose="020B0502040204020203" pitchFamily="34" charset="0"/>
-                <a:cs typeface="Segoe UI" panose="020B0502040204020203" pitchFamily="34" charset="0"/>
-              </a:rPr>
-              <a:t>Enterprises working in the Microsoft Azure cloud will find familiar security and role-based access control (RBAC) for infrastructure. You can set up a </a:t>
-            </a:r>
-            <a:r>
               <a:rPr lang="en-SG" sz="2000" dirty="0">
                 <a:latin typeface="Segoe UI" panose="020B0502040204020203" pitchFamily="34" charset="0"/>
                 <a:cs typeface="Segoe UI" panose="020B0502040204020203" pitchFamily="34" charset="0"/>
               </a:rPr>
-              <a:t>project</a:t>
-            </a:r>
-            <a:r>
-              <a:rPr lang="en-SG" dirty="0">
-                <a:latin typeface="Segoe UI" panose="020B0502040204020203" pitchFamily="34" charset="0"/>
-                <a:cs typeface="Segoe UI" panose="020B0502040204020203" pitchFamily="34" charset="0"/>
-              </a:rPr>
-              <a:t> to deny access to protected data and select operations.</a:t>
+              <a:t>Enterprises working in the Microsoft Azure cloud will find familiar security and role-based access control (RBAC) for infrastructure. You can set up a project to deny access to protected data and select operations.</a:t>
             </a:r>
             <a:endParaRPr lang="en-US" sz="2000" dirty="0">
               <a:latin typeface="Segoe UI" panose="020B0502040204020203" pitchFamily="34" charset="0"/>
@@ -4422,7 +4408,7 @@
         <p:spPr>
           <a:xfrm>
             <a:off x="952504" y="1535330"/>
-            <a:ext cx="10154813" cy="1629400"/>
+            <a:ext cx="10154813" cy="4399389"/>
           </a:xfrm>
           <a:prstGeom prst="rect">
             <a:avLst/>
@@ -4436,25 +4422,31 @@
           <a:p>
             <a:r>
               <a:rPr lang="en-SG" sz="2000" dirty="0">
-                <a:latin typeface="Segoe UI" panose="020B0502040204020203" pitchFamily="34" charset="0"/>
-                <a:cs typeface="Segoe UI" panose="020B0502040204020203" pitchFamily="34" charset="0"/>
+                <a:effectLst/>
+                <a:latin typeface="SegoeUI"/>
               </a:rPr>
-              <a:t>DevOps for machine learning models, often called </a:t>
-            </a:r>
-            <a:r>
-              <a:rPr lang="en-SG" sz="2000" dirty="0" err="1">
-                <a:latin typeface="Segoe UI" panose="020B0502040204020203" pitchFamily="34" charset="0"/>
-                <a:cs typeface="Segoe UI" panose="020B0502040204020203" pitchFamily="34" charset="0"/>
+              <a:t>DevOps is a combination of best practices for team collaboration and operational automation that helps drive efficiency in creating, deploying, and managing software solutions at enterprise scale. Often, data scientists and machine learning specialists work in relative isolation from the software developers who integrate their models into applications and the system administrators who manage the deployed application infrastructure, but by adopting some DevOps principles, these disparate teams can coordinate activities to create an effective overall solution. </a:t>
+            </a:r>
+          </a:p>
+          <a:p>
+            <a:endParaRPr lang="en-SG" sz="2000" dirty="0">
+              <a:latin typeface="SegoeUI"/>
+            </a:endParaRPr>
+          </a:p>
+          <a:p>
+            <a:r>
+              <a:rPr lang="en-SG" sz="2000" dirty="0">
+                <a:effectLst/>
+                <a:latin typeface="SegoeUI"/>
               </a:rPr>
-              <a:t>MLOps</a:t>
-            </a:r>
-            <a:r>
-              <a:rPr lang="en-SG" sz="2000" dirty="0">
-                <a:latin typeface="Segoe UI" panose="020B0502040204020203" pitchFamily="34" charset="0"/>
-                <a:cs typeface="Segoe UI" panose="020B0502040204020203" pitchFamily="34" charset="0"/>
-              </a:rPr>
-              <a:t>, is a process for developing models for production. A model's lifecycle from training to deployment must be auditable if not reproducible.</a:t>
-            </a:r>
+              <a:t>Azure Machine Learning provides multiple capabilities that an organization can leverage for ML Ops, and integrates with more general DevOps tools such as Azure DevOps and GitHub. You'll explore these capabilities in more depth in the remainder of this course. </a:t>
+            </a:r>
+            <a:endParaRPr lang="en-SG" sz="2000" dirty="0"/>
+          </a:p>
+          <a:p>
+            <a:endParaRPr lang="en-SG" sz="2000" dirty="0">
+              <a:effectLst/>
+            </a:endParaRPr>
           </a:p>
           <a:p>
             <a:br>
@@ -4689,21 +4681,38 @@
           <a:p>
             <a:pPr algn="l"/>
             <a:r>
-              <a:rPr lang="en-US" sz="4400" dirty="0">
-                <a:latin typeface="Segoe UI" panose="020B0502040204020203" pitchFamily="34" charset="0"/>
-                <a:cs typeface="Segoe UI" panose="020B0502040204020203" pitchFamily="34" charset="0"/>
-              </a:rPr>
-              <a:t>Demo</a:t>
-            </a:r>
-          </a:p>
-          <a:p>
-            <a:pPr algn="l"/>
-            <a:r>
               <a:rPr lang="en-US" sz="4000" dirty="0">
                 <a:latin typeface="Segoe UI" panose="020B0502040204020203" pitchFamily="34" charset="0"/>
                 <a:cs typeface="Segoe UI" panose="020B0502040204020203" pitchFamily="34" charset="0"/>
               </a:rPr>
               <a:t>Create Machine Learning Workspace</a:t>
+            </a:r>
+            <a:br>
+              <a:rPr lang="en-US" sz="4000" dirty="0">
+                <a:latin typeface="Segoe UI" panose="020B0502040204020203" pitchFamily="34" charset="0"/>
+                <a:cs typeface="Segoe UI" panose="020B0502040204020203" pitchFamily="34" charset="0"/>
+              </a:rPr>
+            </a:br>
+            <a:r>
+              <a:rPr lang="en-US" sz="2000" dirty="0">
+                <a:latin typeface="Segoe UI" panose="020B0502040204020203" pitchFamily="34" charset="0"/>
+                <a:cs typeface="Segoe UI" panose="020B0502040204020203" pitchFamily="34" charset="0"/>
+              </a:rPr>
+              <a:t>https://</a:t>
+            </a:r>
+            <a:r>
+              <a:rPr lang="en-US" sz="2000" dirty="0" err="1">
+                <a:latin typeface="Segoe UI" panose="020B0502040204020203" pitchFamily="34" charset="0"/>
+                <a:cs typeface="Segoe UI" panose="020B0502040204020203" pitchFamily="34" charset="0"/>
+              </a:rPr>
+              <a:t>ceteongvanness.wordpress.com</a:t>
+            </a:r>
+            <a:r>
+              <a:rPr lang="en-US" sz="2000" dirty="0">
+                <a:latin typeface="Segoe UI" panose="020B0502040204020203" pitchFamily="34" charset="0"/>
+                <a:cs typeface="Segoe UI" panose="020B0502040204020203" pitchFamily="34" charset="0"/>
+              </a:rPr>
+              <a:t>/2022/04/01/create-an-azure-machine-learning-workspace/</a:t>
             </a:r>
           </a:p>
         </p:txBody>
